--- a/undergraduate/files/Presentation.pptx
+++ b/undergraduate/files/Presentation.pptx
@@ -12,6 +12,7 @@
     <p:sldId id="270" r:id="rId6"/>
     <p:sldId id="264" r:id="rId7"/>
     <p:sldId id="269" r:id="rId8"/>
+    <p:sldId id="273" r:id="rId9"/>
   </p:sldIdLst>
   <p:sldSz cx="12192000" cy="6858000"/>
   <p:notesSz cx="6858000" cy="9144000"/>
@@ -146,6 +147,303 @@
 </inkml:ink>
 </file>
 
+<file path=ppt/ink/ink10.xml><?xml version="1.0" encoding="utf-8"?>
+<inkml:ink xmlns:inkml="http://www.w3.org/2003/InkML">
+  <inkml:definitions>
+    <inkml:context xml:id="ctx0">
+      <inkml:inkSource xml:id="inkSrc0">
+        <inkml:traceFormat>
+          <inkml:channel name="X" type="integer" min="-2.14748E9" max="2.14748E9" units="cm"/>
+          <inkml:channel name="Y" type="integer" min="-2.14748E9" max="2.14748E9" units="cm"/>
+        </inkml:traceFormat>
+        <inkml:channelProperties>
+          <inkml:channelProperty channel="X" name="resolution" value="1000" units="1/cm"/>
+          <inkml:channelProperty channel="Y" name="resolution" value="1000" units="1/cm"/>
+        </inkml:channelProperties>
+      </inkml:inkSource>
+      <inkml:timestamp xml:id="ts0" timeString="2024-02-22T12:02:07.159"/>
+    </inkml:context>
+    <inkml:brush xml:id="br0">
+      <inkml:brushProperty name="width" value="0.025" units="cm"/>
+      <inkml:brushProperty name="height" value="0.025" units="cm"/>
+      <inkml:brushProperty name="color" value="#FFFFFF"/>
+      <inkml:brushProperty name="ignorePressure" value="1"/>
+    </inkml:brush>
+  </inkml:definitions>
+  <inkml:trace contextRef="#ctx0" brushRef="#br0">0 15,'20'3,"1"0,40-1,-24-1,-28-1,-5 0,1 0,-1 0,0 0,1 1,-1 0,7 2,-10-3,-1 0,1 0,-1 1,1-1,0 0,-1 1,1-1,-1 1,0-1,1 1,-1-1,1 1,-1-1,1 1,-1-1,0 1,0-1,1 1,-1 0,0 0,0 0,1 1,-2-1,1 0,0 1,0-1,0 0,0 1,-1-1,1 0,-1 1,1-1,-1 0,0 0,0 1,0 1,-1-1,1-1,-1 1,1 0,-1 0,0-1,0 1,0 0,0-1,0 0,0 0,0 1,-1-1,1-1,0 1,0 0,-1 0,1-1,-5 1,-2 0,0-1,1 0,-16-2,5 1,20 0,0 1,0-1,0 0,0 1,0-1,-1 0,1 1,0-1,-1 0,1 0,0 0,-1 0,1 0,0-1,-1 1,1 0,-1 0,1 0,-1 0,1 0,-1 1,1-1,-1 0,1 0,0 1,-1-1,1 1,0-1,0 0,-1 1,1-1,0 1,0 0,0-1,0 1,1-1,9 0,0-1,1 2,22 1,-24-1,1 1,0-2,-1 1,21-4,-29 3,1-1,0 1,-1 0,1-1,-1 1,0-1,1 1,-1-1,0 0,0 0,0 0,0-1,2-2,-4 5,0-1,1 1,-1-1,0 1,1-1,-1 0,0 1,0-1,0 1,0-1,1 0,-1 1,0-1,0 1,0-1,0 0,0 1,0-1,-1 0,1 1,0-1,0 1,-1-2,0 1,1 1,-1-1,0 0,0 1,0-1,0 1,0-1,0 1,0-1,0 1,0 0,0-1,0 1,0 0,0 0,0 0,0 0,0 0,-2 0,-52 3,52-3,0 0,0 1,0-1,0 1,0 0,1 0,-1 0,0 0,0 1,1-1,-1 1,1-1,-1 1,1 0,0 0,-3 2,3-1,0 0,0 0,0-1,0 1,-1-1,1 1,-1-1,0 0,1 0,-1 0,-6 2,-26 9,22-9,37-4,-20 1,0 0,0-1,0 0,-1 0,1 0,0 0,0-1,0 0,0 0,6-2,57-30,-67 33,1-1,-1 1,0 0,1 0,-1 0,0 0,0 0,1 0,-1 0,0 0,1 0,-1 0,0 0,1 0,-1 0,0 0,1 0,-1 0,0 0,1 0,-1 0,0 1,0-1,1 0,-1 0,0 0,1 0,-1 1,0-1,0 0,0 0,1 1,-1-1,0 0,0 1,4 15,-8 23,3-33,-1 16,2-13,-1-1,0 1,-1 0,0 0,0 0,-4 9,5-26,0-1,0 0,-4-9,3 21,-1-1,1 1,-1 0,1 0,0-1,0 2,-3 5,-11 16,16-25,0 0,0 0,0 1,0-1,0 0,0 0,0 0,0 0,0 0,-1 0,1 0,0 0,0 0,0 0,0 1,0-1,0 0,0 0,0 0,0 0,0 0,0 0,0 0,0 0,0 0,0 0,0 0,-1 0,1 0,0 0,0 0,0 0,0 0,0 0,0 0,0 0,0 0,0 0,0 0,-1 0,1 0,0 0,0 0,0 0,0 0,0 0,0 0,0 0,0 0,0 0,0 0,-1 0,1 0,0 0,0 0,0 0,0 0,0 0,0 0,0 0,0-1,0 1,0 0,0 0,0 0,0 0,0 0,4-17,-4 15,7-14,-7 15,0 1,1 0,-1 0,0-1,0 1,0 0,1 0,-1-1,0 1,0 0,1 0,-1 0,0 0,1-1,-1 1,0 0,0 0,1 0,-1 0,0 0,1 0,-1 0,0 0,1 0,-1 0,0 0,1 0,-1 0,0 0,1 0,-1 0,0 0,0 0,1 1,-1-1,0 0,1 0,-1 0,0 0,0 1,0-1,1 0,-1 0,0 1,4 1,-1 0,1 0,-1 0,1-1,0 1,-1-1,1 0,0 0,0 0,0-1,6 1,-5-1,1 1,0 0,-1 0,10 4,-9-3,0-1,1 0,-1 0,1 0,0-1,-1 0,1 0,-1-1,1 0,6-1,28-2,-68 10,23-4,0-1,-1 1,1-1,-1 0,-7 0,-53-1,60 0,12 0,141 8,-228-5,42 0,-53-4,91-1,7-2,-4 3,-1-1,0 1,0 0,0 0,0-1,0 1,0-1,0 0,1-1,6-14,-8 17,-1 1,1-1,-1 1,0 0,1-1,-1 1,0 0,0-1,1 1,-1 0,0-1,0 1,0 0,0-1,0 1,0 0,0-1,0 1,0 0,0 0,-1-1,1 2,-1 16,0-15</inkml:trace>
+</inkml:ink>
+</file>
+
+<file path=ppt/ink/ink11.xml><?xml version="1.0" encoding="utf-8"?>
+<inkml:ink xmlns:inkml="http://www.w3.org/2003/InkML">
+  <inkml:definitions>
+    <inkml:context xml:id="ctx0">
+      <inkml:inkSource xml:id="inkSrc0">
+        <inkml:traceFormat>
+          <inkml:channel name="X" type="integer" min="-2.14748E9" max="2.14748E9" units="cm"/>
+          <inkml:channel name="Y" type="integer" min="-2.14748E9" max="2.14748E9" units="cm"/>
+        </inkml:traceFormat>
+        <inkml:channelProperties>
+          <inkml:channelProperty channel="X" name="resolution" value="1000" units="1/cm"/>
+          <inkml:channelProperty channel="Y" name="resolution" value="1000" units="1/cm"/>
+        </inkml:channelProperties>
+      </inkml:inkSource>
+      <inkml:timestamp xml:id="ts0" timeString="2024-02-22T12:02:09.886"/>
+    </inkml:context>
+    <inkml:brush xml:id="br0">
+      <inkml:brushProperty name="width" value="0.025" units="cm"/>
+      <inkml:brushProperty name="height" value="0.025" units="cm"/>
+      <inkml:brushProperty name="color" value="#FFFFFF"/>
+      <inkml:brushProperty name="ignorePressure" value="1"/>
+    </inkml:brush>
+  </inkml:definitions>
+  <inkml:trace contextRef="#ctx0" brushRef="#br0">1 36,'1'-2,"0"1,0 0,0 0,0 0,0 0,1 0,-1 0,0 1,1-1,-1 0,0 1,1-1,-1 1,1-1,-1 1,3-1,5-1,4-5,-13 6,1 1,-1 0,0-1,0 1,0 0,0-1,0 1,0 0,1-1,-1 1,0 0,0-1,0 1,0 0,0-1,0 1,0 0,-1-1,1 1,0 0,0-1,0 1,0 0,0-1,0 1,-1 0,1 0,0-1,0 1,0 0,-1 0,1-1,0 1,0 0,-1 0,1 0,0-1,-1 1,1 0,0 0,0 0,-1 0,1 3,-1 1,1-1,1 1,-1 0,0-1,2 5,0-5</inkml:trace>
+</inkml:ink>
+</file>
+
+<file path=ppt/ink/ink12.xml><?xml version="1.0" encoding="utf-8"?>
+<inkml:ink xmlns:inkml="http://www.w3.org/2003/InkML">
+  <inkml:definitions>
+    <inkml:context xml:id="ctx0">
+      <inkml:inkSource xml:id="inkSrc0">
+        <inkml:traceFormat>
+          <inkml:channel name="X" type="integer" min="-2.14748E9" max="2.14748E9" units="cm"/>
+          <inkml:channel name="Y" type="integer" min="-2.14748E9" max="2.14748E9" units="cm"/>
+        </inkml:traceFormat>
+        <inkml:channelProperties>
+          <inkml:channelProperty channel="X" name="resolution" value="1000" units="1/cm"/>
+          <inkml:channelProperty channel="Y" name="resolution" value="1000" units="1/cm"/>
+        </inkml:channelProperties>
+      </inkml:inkSource>
+      <inkml:timestamp xml:id="ts0" timeString="2024-02-22T12:02:15.770"/>
+    </inkml:context>
+    <inkml:brush xml:id="br0">
+      <inkml:brushProperty name="width" value="0.025" units="cm"/>
+      <inkml:brushProperty name="height" value="0.025" units="cm"/>
+      <inkml:brushProperty name="color" value="#FFFFFF"/>
+      <inkml:brushProperty name="ignorePressure" value="1"/>
+    </inkml:brush>
+  </inkml:definitions>
+  <inkml:trace contextRef="#ctx0" brushRef="#br0">35 324,'-9'1,"-3"-3,2-14,9 11,0 1,0 0,1-1,-1 1,1-1,0 1,0-1,1 1,-1-1,1 1,0-1,0 1,1 0,1-5,-1 2,0-1,0 0,1-12,-1-2,1-1,2 1,6-24,3-7,-9 26</inkml:trace>
+</inkml:ink>
+</file>
+
+<file path=ppt/ink/ink2.xml><?xml version="1.0" encoding="utf-8"?>
+<inkml:ink xmlns:inkml="http://www.w3.org/2003/InkML">
+  <inkml:definitions>
+    <inkml:context xml:id="ctx0">
+      <inkml:inkSource xml:id="inkSrc0">
+        <inkml:traceFormat>
+          <inkml:channel name="X" type="integer" min="-2.14748E9" max="2.14748E9" units="cm"/>
+          <inkml:channel name="Y" type="integer" min="-2.14748E9" max="2.14748E9" units="cm"/>
+        </inkml:traceFormat>
+        <inkml:channelProperties>
+          <inkml:channelProperty channel="X" name="resolution" value="1000" units="1/cm"/>
+          <inkml:channelProperty channel="Y" name="resolution" value="1000" units="1/cm"/>
+        </inkml:channelProperties>
+      </inkml:inkSource>
+      <inkml:timestamp xml:id="ts0" timeString="2024-02-22T12:00:30.929"/>
+    </inkml:context>
+    <inkml:brush xml:id="br0">
+      <inkml:brushProperty name="width" value="0.05" units="cm"/>
+      <inkml:brushProperty name="height" value="0.05" units="cm"/>
+      <inkml:brushProperty name="color" value="#FFFFFF"/>
+      <inkml:brushProperty name="ignorePressure" value="1"/>
+    </inkml:brush>
+  </inkml:definitions>
+  <inkml:trace contextRef="#ctx0" brushRef="#br0">396 671,'-3'135,"-36"242,28-302,3-20,-25 97,32-149,0 0,0 0,0 0,0-1,-1 1,0 0,1 0,-1-1,0 1,0-1,0 1,0-1,-4 3,5-5,-1 1,1 0,-1-1,0 1,1-1,-1 1,0-1,0 0,1 1,-1-1,0 0,1 0,-1-1,0 1,0 0,1 0,-1-1,0 1,1-1,-1 0,1 1,-1-1,0 0,1 0,-2-1,-6-5,-1 0,2 0,-1-1,1-1,0 1,1-1,0-1,0 1,1-1,0 0,1-1,-5-12,-5-17,2-1,-9-43,-3-47,-13-173,20-137,17 410,4-209,-3 238,0-4,1-1,0 0,0 0,3-7,-4 13,0 0,0 0,1 0,-1 0,0 1,1-1,-1 0,1 0,-1 0,1 1,-1-1,1 0,0 0,-1 1,1-1,0 1,0-1,-1 0,1 1,0 0,0-1,0 1,-1-1,1 1,0 0,0 0,0-1,0 1,0 0,0 0,0 0,0 0,0 0,0 0,0 0,0 1,1-1,3 2,0 0,0 1,-1-1,1 1,-1 0,1 0,6 8,29 32,-35-38,12 17,-1 1,0 0,-2 1,-1 1,-1 0,-1 1,-1 0,-2 1,0-1,-2 2,4 36,-2 18,-4 0,-11 131,4-181,-2 0,-1 0,-2-1,-1 0,-1 0,-2-1,-28 52,40-81,0-1,0 0,0 0,0 1,0-1,0 0,0 0,0 1,0-1,0 0,0 0,-1 0,1 1,0-1,0 0,0 0,0 0,0 1,-1-1,1 0,0 0,0 0,0 0,-1 0,1 1,0-1,0 0,-1 0,1 0,0 0,0 0,-1 0,1 0,0 0,0 0,-1 0,1 0,0 0,0 0,-1 0,1 0,0 0,0 0,-1 0,-3-14,2-25,16-195,19-4,-12 93,-5 30,-12 98,-5 39,-7 47,5-34</inkml:trace>
+</inkml:ink>
+</file>
+
+<file path=ppt/ink/ink3.xml><?xml version="1.0" encoding="utf-8"?>
+<inkml:ink xmlns:inkml="http://www.w3.org/2003/InkML">
+  <inkml:definitions>
+    <inkml:context xml:id="ctx0">
+      <inkml:inkSource xml:id="inkSrc0">
+        <inkml:traceFormat>
+          <inkml:channel name="X" type="integer" min="-2.14748E9" max="2.14748E9" units="cm"/>
+          <inkml:channel name="Y" type="integer" min="-2.14748E9" max="2.14748E9" units="cm"/>
+        </inkml:traceFormat>
+        <inkml:channelProperties>
+          <inkml:channelProperty channel="X" name="resolution" value="1000" units="1/cm"/>
+          <inkml:channelProperty channel="Y" name="resolution" value="1000" units="1/cm"/>
+        </inkml:channelProperties>
+      </inkml:inkSource>
+      <inkml:timestamp xml:id="ts0" timeString="2024-02-22T12:00:44.404"/>
+    </inkml:context>
+    <inkml:brush xml:id="br0">
+      <inkml:brushProperty name="width" value="0.35" units="cm"/>
+      <inkml:brushProperty name="height" value="0.35" units="cm"/>
+      <inkml:brushProperty name="color" value="#FFFFFF"/>
+      <inkml:brushProperty name="ignorePressure" value="1"/>
+    </inkml:brush>
+  </inkml:definitions>
+  <inkml:trace contextRef="#ctx0" brushRef="#br0">567 0,'-2'13,"0"0,0 0,-1 0,-1-1,0 1,-11 22,7-16,-129 250,67-142,34-56,-4-1,-3-2,-67 81,108-148,-1 4,-1-1,0 0,0 0,-9 6,12-9,1-1,-1 0,0 1,1-1,-1 1,0-1,0 0,0 1,1-1,-1 0,0 0,0 0,0 0,1 0,-1 0,0 0,0 0,0 0,0 0,1 0,-1 0,0 0,0-1,0 1,1 0,-1-1,0 1,0-1,1 1,-1 0,0-1,1 0,-1 1,1-1,-1 1,1-1,-1 0,1 1,-1-1,1 0,-1 0,1 0,-5-11,0 1,2-1,-1 1,1-1,1 0,-1-15,-2-80,5 79,0-20,2 1,3-1,1 1,15-51,3 15,-22 77,1 1,-1 0,1-1,0 1,1 0,-1 1,1-1,0 1,0 0,0 0,1 0,-1 0,1 1,0-1,0 1,0 1,1-1,-1 1,1 0,-1 0,8-1,-4 0,1 2,0-1,-1 1,1 1,0 0,0 0,0 1,0 0,-1 0,1 1,18 7,-14-4,1 0,0 2,15 8,-27-13,0 0,0-1,0 2,0-1,-1 0,1 0,-1 1,1 0,-1-1,0 1,0 0,0 0,0 0,-1 0,3 6,-4-8,0 1,0-1,0 1,0-1,0 1,0-1,0 1,0-1,0 1,-1 0,1-1,-1 0,1 1,-1-1,0 1,0-1,1 0,-1 1,0-1,0 0,0 0,0 0,0 0,-1 0,1 0,0 0,-2 1,-5 3,0 0,-1-1,-12 5,8-3,-28 6,34-10,-1 0,0 1,1 0,-14 6,9-1</inkml:trace>
+</inkml:ink>
+</file>
+
+<file path=ppt/ink/ink4.xml><?xml version="1.0" encoding="utf-8"?>
+<inkml:ink xmlns:inkml="http://www.w3.org/2003/InkML">
+  <inkml:definitions>
+    <inkml:context xml:id="ctx0">
+      <inkml:inkSource xml:id="inkSrc0">
+        <inkml:traceFormat>
+          <inkml:channel name="X" type="integer" min="-2.14748E9" max="2.14748E9" units="cm"/>
+          <inkml:channel name="Y" type="integer" min="-2.14748E9" max="2.14748E9" units="cm"/>
+        </inkml:traceFormat>
+        <inkml:channelProperties>
+          <inkml:channelProperty channel="X" name="resolution" value="1000" units="1/cm"/>
+          <inkml:channelProperty channel="Y" name="resolution" value="1000" units="1/cm"/>
+        </inkml:channelProperties>
+      </inkml:inkSource>
+      <inkml:timestamp xml:id="ts0" timeString="2024-02-22T12:01:04.475"/>
+    </inkml:context>
+    <inkml:brush xml:id="br0">
+      <inkml:brushProperty name="width" value="0.35" units="cm"/>
+      <inkml:brushProperty name="height" value="0.35" units="cm"/>
+      <inkml:brushProperty name="color" value="#FFFFFF"/>
+      <inkml:brushProperty name="ignorePressure" value="1"/>
+    </inkml:brush>
+  </inkml:definitions>
+  <inkml:trace contextRef="#ctx0" brushRef="#br0">560 0,'-2'11,"0"0,0-1,-1 0,-1 1,1-1,-2-1,1 1,-9 12,13-21,-18 27,0-1,-2-1,-38 40,46-54,-8 13,1 0,2 1,-22 42,29-49,6-13,-1-1,1 1,-1-1,0 0,-10 9,-13 12,15-9,0 0,1 1,1 0,-15 35,15-31,-1 0,-1-2,-27 35,23-34,2 0,-22 41,36-61,1 0,-1-1,1 1,-1 0,1 1,0-1,-1 0,1 0,0 0,0 0,0 0,0 0,0 0,0 0,0 0,0 0,0 0,0 0,1 1,-1-1,0 0,1 0,-1 0,1 0,-1 0,1 0,-1-1,1 1,0 0,-1 0,1 0,0-1,0 1,0 0,-1 0,1-1,0 1,0-1,0 1,0-1,0 0,0 1,0-1,0 0,1 1,-1-1,2 0,4 1,-1 0,1-1,0 1,0-2,0 1,10-2,-2-2,1 0,-1-1,0-1,0-1,-1 0,17-11,-5 1,-1-1,30-27,-41 30,-1 0,0-1,-1-1,20-35,-18 27,27-34,-31 48,0 1,1 0,0 1,1 0,20-11,-21 14,-1-1,1 1,-2-2,1 1,-1-2,0 1,-1-1,15-19,40-79,-62 105,1 0,-1 0,0 0,0 0,0-1,-1 1,1 0,-1-1,1 1,-1 0,0-1,1 1,-1 0,-1-3,1 4,-1-1,1 1,-1 0,0 0,1 0,-1 0,0 0,0 0,0 0,0 0,0 0,0 0,0 0,0 1,0-1,0 0,0 1,0-1,-1 1,1-1,0 1,0 0,-1-1,1 1,0 0,-3 0,-28-3,0 2,-52 4,5 0,65-2,1 1,-1 1,1 0,0 1,0 0,-24 12,21-9,6-1,-1 1,1 0,0 0,0 1,1 0,0 1,0 0,1 1,-10 14,-18 19,31-38,0 1,1 0,0 0,0 0,1 0,0 1,0-1,0 1,1 0,0 0,0 0,1 0,-1 12,1-3</inkml:trace>
+</inkml:ink>
+</file>
+
+<file path=ppt/ink/ink5.xml><?xml version="1.0" encoding="utf-8"?>
+<inkml:ink xmlns:inkml="http://www.w3.org/2003/InkML">
+  <inkml:definitions>
+    <inkml:context xml:id="ctx0">
+      <inkml:inkSource xml:id="inkSrc0">
+        <inkml:traceFormat>
+          <inkml:channel name="X" type="integer" min="-2.14748E9" max="2.14748E9" units="cm"/>
+          <inkml:channel name="Y" type="integer" min="-2.14748E9" max="2.14748E9" units="cm"/>
+        </inkml:traceFormat>
+        <inkml:channelProperties>
+          <inkml:channelProperty channel="X" name="resolution" value="1000" units="1/cm"/>
+          <inkml:channelProperty channel="Y" name="resolution" value="1000" units="1/cm"/>
+        </inkml:channelProperties>
+      </inkml:inkSource>
+      <inkml:timestamp xml:id="ts0" timeString="2024-02-22T12:01:10.699"/>
+    </inkml:context>
+    <inkml:brush xml:id="br0">
+      <inkml:brushProperty name="width" value="0.35" units="cm"/>
+      <inkml:brushProperty name="height" value="0.35" units="cm"/>
+      <inkml:brushProperty name="color" value="#FFFFFF"/>
+      <inkml:brushProperty name="ignorePressure" value="1"/>
+    </inkml:brush>
+  </inkml:definitions>
+  <inkml:trace contextRef="#ctx0" brushRef="#br0">2046 0,'-1'2,"0"0,0 0,0 0,0 0,0 0,0-1,0 1,-1 0,1-1,0 1,-1-1,1 0,-1 1,0-1,1 0,-1 0,-3 1,-4 4,-193 127,4-2,99-56,-92 67,179-134,-25 17,2 2,-58 55,26-12,-78 88,118-124,-2-1,-1-2,-1-1,-2-2,-61 42,-168 108,220-150,25-18,2 1,-23 19,14-7,-75 75,81-78,1 1,1 1,-16 28,18-26,1 0,0 1,2 1,2 0,0 0,1 1,-5 35,6-9,3-27,1 1,1 0,1 32,2-57,-1 1,1 0,0 0,-1 0,1 0,1-1,-1 1,0 0,1-1,-1 1,1-1,0 1,0-1,0 0,0 0,0 0,0 0,0 0,1 0,-1-1,1 1,-1-1,1 0,0 0,0 1,-1-2,1 1,5 1,7 0,0 0,0 0,0-1,17-2,-28 1,26-2,0-2,0-1,0-1,-1-1,0-2,-1-1,29-14,10-9,103-68,-154 89,0 0,-2 0,1-2,-2 1,0-2,0 0,15-25,3-13,26-59,-27 49,14-29,-17 33,40-64,382-501,-407 574,2 1,2 3,85-67,-95 89,1 1,51-24,16-9,-98 52,0 0,-1 0,1-1,-1 0,8-10,-3 3,-10 12,0 0,0 0,0 0,0-1,1 1,-1 0,0 0,0 0,0 0,0-1,0 1,0 0,0 0,1 0,-1 0,0-1,0 1,0 0,0 0,1 0,-1 0,0 0,0 0,0 0,1 0,-1-1,0 1,0 0,0 0,1 0,-1 0,0 0,0 0,0 0,1 0,-1 0,0 0,0 0,0 1,1-1,-1 0,0 0,-1 11,-10 19,5-15,-133 318,-30-12,-9-82,106-149,39-48,-15 17,2 3,-46 85,41-42,-29 54,8-60,3-5,63-85,1-1,-2 1,1-1,-15 14,17-19,1 0,-1-1,0 1,0-1,0 0,0 0,0-1,0 1,0-1,-1 0,1 0,-1 0,1-1,-6 0,-14 0,0-2,0-1,1 0,-1-2,1-1,0-1,0-1,1-1,0 0,-33-21,50 27,0 0,0 0,0-1,1 0,-1 1,1-1,0-1,0 1,1-1,-1 1,1-1,0 0,0 0,1 0,-1-1,1 1,0-1,1 1,-1-1,1 1,0-1,1 0,-1 0,1 0,0 1,1-9,2-48,-3 22,2 0,2 0,17-75,-18 109,-1-1,1 1,0-1,1 1,-1 0,1 0,0 1,1-1,0 1,-1 0,2 0,7-6,6-2,0 1,31-14,5-4,64-38,-55 32,-1-2,77-61,-105 68,-19 16,1 0,0 1,28-16,-45 30,1-1,-1 1,0-1,1 1,-1 0,1-1,-1 1,1 0,-1 0,0-1,1 1,0 0,-1 0,1 0,-1 0,1 0,-1 0,1 0,-1 0,1 0,-1 0,1 0,-1 0,1 0,-1 0,1 0,-1 0,1 1,-1-1,1 0,-1 0,1 1,-1-1,1 0,-1 0,0 1,1-1,-1 1,1-1,-1 1,1 0,-1 1,0-1,0 0,0 1,0-1,-1 1,1-1,0 0,0 1,-1-1,1 0,-1 1,1-1,-1 0,0 0,-1 2,-11 16,0 0,-27 26,16-19,-234 239,-18-13,103-95,139-119,-1-1,34-36,1 0,-1 0,0 0,0-1,0 1,0 0,1-1,-1 1,0-1,0 1,0-1,0 1,0-1,-1 0,1 0,0 1,0-1,0 0,0 0,0 0,0 0,0 0,0 0,-1-1,1 1,0-1,0 0,0 0,0 0,0 1,0-1,1 0,-1 0,0 0,1 0,-1 0,1 0,-1 0,1-1,0 1,-1 0,1 0,0-1,-2-7,1 0,1 0,0 1,1-15,2 8,0-1,1 1,11-29,6-21,-6 16,1 0,2 2,48-88,-35 73,-29 57,58-104,-47 92,-13 17,0 0,0 0,1 0,-1 0,0 0,0 0,0 0,0-1,0 1,0 0,0 0,0 0,0 0,0 0,1 0,-1 0,0 0,0 0,0 0,0 0,0 0,0 0,1 0,-1-1,0 1,0 0,0 0,0 0,0 0,0 0,1 1,-1-1,0 0,0 0,0 0,0 0,0 0,0 0,1 0,-1 0,0 0,0 0,0 0,0 0,0 0,0 0,0 1,0-1,1 0,-1 0,0 0,0 0,0 0,0 3,0 0,-1 0,1-1,-1 1,0 0,1 0,-1-1,-1 1,-1 3,-170 314,32-65,138-251,-4 11,-1 0,-1 0,-16 20,23-32,-1 0,1 0,-1 0,0-1,0 1,0-1,0 0,0 0,0 0,0 0,-1-1,1 1,-1-1,1 0,-1 0,0 0,1 0,-1-1,0 0,1 1,-1-1,-5-1,7 1,0-1,1 1,-1-1,0 0,0 0,1 1,-1-1,1 0,-1 0,1 0,-1-1,1 1,-1 0,1-1,0 1,0 0,0-1,0 1,0-1,0 0,0 1,0-1,1 0,-1 0,0-2,-1-6,0 0,1 0,0-18,-1-1,2 28,-5-35,-2-68,8 92,-1 0,2 1,-1-1,2 0,0 1,0 0,1 0,0 0,11-19,-9 18,1 2,0-1,1 0,0 1,1 1,0 0,0 0,1 0,0 1,15-9,-24 17,0-1,0 0,0 1,0-1,0 1,1 0,-1-1,0 1,0 0,0 0,1-1,-1 1,0 0,0 0,1 1,-1-1,0 0,0 0,1 0,-1 1,0-1,0 1,0-1,0 1,2 0,-1 1,-1 0,1 0,-1-1,1 1,-1 0,0 0,0 0,0 1,0-1,0 0,-1 0,2 4,0 7,0 1,-1-1,-1 22,0-33,-1 16,1-2</inkml:trace>
+</inkml:ink>
+</file>
+
+<file path=ppt/ink/ink6.xml><?xml version="1.0" encoding="utf-8"?>
+<inkml:ink xmlns:inkml="http://www.w3.org/2003/InkML">
+  <inkml:definitions>
+    <inkml:context xml:id="ctx0">
+      <inkml:inkSource xml:id="inkSrc0">
+        <inkml:traceFormat>
+          <inkml:channel name="X" type="integer" min="-2.14748E9" max="2.14748E9" units="cm"/>
+          <inkml:channel name="Y" type="integer" min="-2.14748E9" max="2.14748E9" units="cm"/>
+        </inkml:traceFormat>
+        <inkml:channelProperties>
+          <inkml:channelProperty channel="X" name="resolution" value="1000" units="1/cm"/>
+          <inkml:channelProperty channel="Y" name="resolution" value="1000" units="1/cm"/>
+        </inkml:channelProperties>
+      </inkml:inkSource>
+      <inkml:timestamp xml:id="ts0" timeString="2024-02-22T12:01:30.536"/>
+    </inkml:context>
+    <inkml:brush xml:id="br0">
+      <inkml:brushProperty name="width" value="0.35" units="cm"/>
+      <inkml:brushProperty name="height" value="0.35" units="cm"/>
+      <inkml:brushProperty name="color" value="#FFFFFF"/>
+      <inkml:brushProperty name="ignorePressure" value="1"/>
+    </inkml:brush>
+  </inkml:definitions>
+  <inkml:trace contextRef="#ctx0" brushRef="#br0">1833 1,'-1'9,"0"0,0-1,-1 1,0 0,-1-1,0 1,0-1,-8 15,-44 62,37-58,-3 8,-25 55,46-90,-10 21,-1-1,-1 0,0-1,-1-1,-1 0,-22 22,-8 5,29-29,0 0,-1-1,-34 24,43-35,-52 34,2 1,-59 54,95-70,2 1,0 0,-28 48,18-25,-12 28,6-7,39-68,8-8,17-12,9-12,-2-2,-2-2,-1-1,-2-1,-2-1,29-51,-36 43,-18 37,0 0,1 1,0 0,0 0,0 0,2 1,-1-1,10-8,12-8,2 1,1 2,1 1,34-17,-22 19,-25 11,31-18,-16 6,-19 13,-1-1,-1-1,0 0,18-17,-17-1,-6 11,7-7,-22 40,0-3,0 0,-1 0,0 0,-2-1,1-1,-1 0,-1 0,0-1,-1 0,0-1,-27 17,-13 5,-212 146,169-101,-121 91,166-136,26-18,-22 18,29-19,-1-2,-34 17,2-2,-145 87,189-110,0-1,0 0,0 0,0 0,0-1,0 1,0-2,0 1,-1-1,-8 0,-8-2,-32-6,50 7,0-1,0 1,0-1,1 0,-8-4,-13-6,20 10,1 1,-1 1,0-1,1 1,-1-1,0 1,0 1,1-1,-1 1,0-1,1 1,-1 1,1-1,-1 1,1-1,0 1,-6 3,1 1,0 0,1 0,-1 1,1 0,1 0,-11 13,2-4,14-14,-1 0,1 0,0 0,0 1,0-1,0 1,0-1,1 1,-3 5,-1 2,0 0,0-1,-1 0,0 0,-14 16,-27 10,44-34,0 1,1-1,-1 1,0-1,0 0,0 0,0-1,0 1,0 0,-5-1,-19 6,26-5,0 0,0-1,1 1,-1 0,0 0,0 0,1 0,-1-1,1 1,-1 0,1 0,-1 0,1 0,-1 0,1 0,0 0,0 0,0 0,-1 1,1-1,0 0,0 0,0 0,0 0,1 0,-1 0,0 0,0 0,1 0,-1 0,1 2,0-2,-1 1,1 0,0 0,0 0,0 0,0 0,0-1,0 1,0 0,1-1,-1 1,1-1,-1 1,1-1,-1 0,3 1,5 1,-1-1,1 0,0 0,14-1,-17-1,0 1,0-1,-1 1,1 0,0 0,-1 0,1 1,-1 0,0 0,1 0,-1 1,0 0,7 5,-5-2,-1 0,0 0,0 1,-1 0,0 0,0 0,5 12,1 5,9 28,-2-3,-18-49,0 0,0 1,0-1,0 0,1 0,-1 0,0 0,0 0,0 0,0 1,0-1,0 0,0 0,0 0,0 0,0 0,0 0,0 0,0 1,1-1,-1 0,0 0,0 0,0 0,0 0,0 0,0 0,1 0,-1 0,0 0,0 0,0 0,0 0,0 0,0 0,1 0,-1 0,0 0,0 0,0 0,0 0,0 0,1 0,-1 0,4-7,5-20,-6 17,28-98,-11 36,31-72,-44 126,8-36,-12 41,0 1,0-1,2 1,-1 0,2 0,11-19,26-28,26-40,-69 98,1 0,0-1,-1 1,1 0,0-1,0 1,0 0,0 0,0 0,0 0,0 0,1 0,-1 0,0 0,0 0,1 1,-1-1,1 0,2 0,-3 1,0 1,1-1,-1 0,0 1,1-1,-1 1,0 0,0-1,1 1,-1 0,0 0,0 0,0 0,0 0,0 0,0 0,0 0,-1 0,1 0,0 0,0 3,11 16,-2 1,0 0,8 29,15 70,-28-100,11 47,-3 0,4 71,-17-137,0 0,0 0,0 0,0-1,0 1,0 0,0 0,1-1,-1 1,0 0,0 0,1-1,-1 1,0 0,1-1,-1 1,1 0,0 0,-1-1,1 0,-1 0,1 0,-1 0,0 0,1 0,-1 0,1 0,-1 0,0 0,1 0,-1 0,1 0,-1-1,0 1,1 0,-1 0,0 0,1-1,-1 1,0 0,1 0,-1-1,0 1,1-1,22-31,-14 18,13-13,29-38,-46 57,-1 0,1 0,-1 0,-1 0,0-1,0 0,2-8,-6 27,1-1,0 1,1 0,4 18,1 16,0 48,-7-84,0 0,0-1,-1 1,-1-1,1 1,-1-1,-6 10,5-8,-62 130,65-137,0 1,1-1,-2 0,1 1,0-1,0 0,-1 0,1 0,-1 0,0 0,1 0,-1-1,0 1,0 0,0-1,0 0,0 1,-1-1,1 0,0 0,-5 1,1 1,1 0,0 0,0 1,0 0,0 0,1 0,-5 6,-14 11,-44 35,62-53,1 0,-1 1,0-2,0 1,-1 0,-9 2,13-4,0-1,0 1,0-1,-1 0,1 0,0 0,0 0,0 0,-1 0,1-1,0 1,0-1,0 1,0-1,0 0,-1 0,2 0,-1 0,0 0,0-1,-2-1,-4-4,0-1,1 0,0 0,1-1,-1 0,2 0,-1 0,1-1,1 0,-1 0,2 0,0 0,0-1,-2-13,1-13,1-1,4-67,1 36,0 49,1 22,-2 11,-1-5,-1 1,0 0,0-1,-1 1,0 0,0-1,-1 0,0 1,-1-1,1 0,-2-1,1 1,-8 9,-6 4,-1 0,-39 33,0 0,56-52,-1 0,1 0,0 0,-1 0,1-1,-1 1,0-1,0 1,1-1,-1 0,0 0,0-1,0 1,0 0,0-1,0 0,0 0,0 0,0 0,0 0,0 0,-6-2,5 1,0 1,0-1,0-1,0 1,0-1,1 1,-1-1,0 0,1 0,-1 0,1-1,0 0,0 1,-4-5,-4-5,1-1,-12-18,-10-13,25 35,-3 0,10 9,-1 1,1-1,0 0,-1 1,1-1,0 1,-1-1,1 1,0-1,0 0,0 1,-1-1,1 1,0-1,0 1,0-1,0 1,0-1,0 1,0 0,0-1,0 1,0-1,0 1,0-1,0 1,1 0,-2 10,0 0,0 1,-1-1,-5 17,-3 21,10-48,0-1,0 1,1-1,-1 1,0-1,0 1,1-1,-1 1,1-1,-1 1,0-1,1 0,-1 1,1-1,-1 0,1 1,-1-1,1 0,-1 0,1 0,0 1,-1-1,1 0,-1 0,1 0,-1 0,1 0,0 0,-1 0,1 0,-1 0,2-1,29 0,-21 1,6 0,-12 1,0-1,0 1,0-1,0 0,0-1,0 1,0-1,-1 1,1-1,6-2,-10 2,1 1,0-1,-1 0,1 1,-1-1,1 0,-1 1,0-1,1 0,-1 0,0 1,1-1,-1 0,0 0,0 0,0 0,0-1,1 0,0-11</inkml:trace>
+</inkml:ink>
+</file>
+
+<file path=ppt/ink/ink7.xml><?xml version="1.0" encoding="utf-8"?>
+<inkml:ink xmlns:inkml="http://www.w3.org/2003/InkML">
+  <inkml:definitions>
+    <inkml:context xml:id="ctx0">
+      <inkml:inkSource xml:id="inkSrc0">
+        <inkml:traceFormat>
+          <inkml:channel name="X" type="integer" min="-2.14748E9" max="2.14748E9" units="cm"/>
+          <inkml:channel name="Y" type="integer" min="-2.14748E9" max="2.14748E9" units="cm"/>
+        </inkml:traceFormat>
+        <inkml:channelProperties>
+          <inkml:channelProperty channel="X" name="resolution" value="1000" units="1/cm"/>
+          <inkml:channelProperty channel="Y" name="resolution" value="1000" units="1/cm"/>
+        </inkml:channelProperties>
+      </inkml:inkSource>
+      <inkml:timestamp xml:id="ts0" timeString="2024-02-22T12:01:43.210"/>
+    </inkml:context>
+    <inkml:brush xml:id="br0">
+      <inkml:brushProperty name="width" value="0.025" units="cm"/>
+      <inkml:brushProperty name="height" value="0.025" units="cm"/>
+      <inkml:brushProperty name="color" value="#FFFFFF"/>
+      <inkml:brushProperty name="ignorePressure" value="1"/>
+    </inkml:brush>
+  </inkml:definitions>
+  <inkml:trace contextRef="#ctx0" brushRef="#br0">423 89,'-18'3,"-12"1,29-4,1 0,-1 0,0 0,0 0,0 0,0-1,0 1,0 0,0-1,0 1,1-1,-1 1,0-1,0 1,0-1,1 1,-1-1,0 0,1 1,-1-1,1 0,-1 0,0 1,1-1,0 0,-1-1,1 2,0-1,0 1,0-1,0 1,1-1,-1 1,0-1,0 1,1-1,-1 1,0-1,0 1,1-1,-1 1,1 0,-1-1,0 1,1 0,-1-1,1 1,-1 0,1 0,-1-1,1 1,-1 0,1 0,-1 0,1 0,-1-1,1 1,-1 0,1 0,-1 0,2 0,25-4,-22 4,-2-1,0 1,-4-1,1 0,-1 0,0 1,0-1,0 0,1 1,-1-1,0 0,1 0,-1 0,0 0,1 0,0 0,-1 0,0-1,0-3,-4-13,7 17,5 10,8 18,-13-21,1-1,0 1,0-1,1 0,-1 0,1 0,5 4,-11-11,-1-1,-1-1,1 1,-1 0,0 1,1-1,-1 1,0 0,-1-1,-5-1,-4 3,16 5,21 10,-22-13,-1-1,0 0,0 0,1 0,-1 1,0-1,1 0,-1 0,0 0,0 0,1 0,-1 0,0 0,1 0,-1 0,0 1,1-1,-1 0,0-1,1 1,-1 0,0 0,1 0,-1 0,0 0,1 0,-1 0,0 0,0-1,1 1,-1 0,0 0,0 0,1-1,-1 1,0 0,0 0,1 0,-1-1,0 1,1-17,-11-17,9 31,-1-1,0 1,0 0,-1-1,1 1,-1 0,1 1,-5-5,5 6,1 0,0 0,0 0,-1 0,1 0,-1 1,1-1,-1 0,1 1,-1-1,1 1,-1 0,0-1,1 1,-1 0,1 0,-1 0,0 0,1 0,-1 0,0 1,-2 0,4-1,-1 1,1-1,-1 0,1 1,0-1,-1 1,1-1,0 1,0-1,-1 1,1-1,0 1,0-1,0 1,0 0,0-1,0 1,0-1,0 1,0-1,0 1,0-1,0 1,0 0,0-1,0 1,0-1,1 1,-1-1,0 1,1 0,9 20,-8-18,1 4,-1-1,1 0,0-1,0 1,1-1,-1 0,1 0,0 0,1 0,6 5,-11-9,0-1,0 0,1 0,-1 0,0 0,0 1,0-1,0 0,1 0,-1 0,0 0,0 0,0 0,1 0,-1 0,0 0,0 0,1 1,-1-1,0 0,0 0,0 0,1 0,-1-1,0 1,0 0,0 0,1 0,-1 0,0 0,0 0,1 0,-1 0,0 0,0 0,0-1,0 1,1 0,-1 0,0 0,0-1,0 1,0 0,0-1,0 1,0 0,0-1,0 1,-1 0,1 0,0-1,0 1,0 0,0 0,-1-1,1 1,0 0,0 0,-1-1,1 1,0 0,-1 0,1 0,0 0,0-1,-1 1,1 0,0 0,-1 0,1 0,0 0,-1 0,-25-6,-1 1,1 1,-49-1,59 5,-111 6,115-4,0-1,0-1,0 0,0 0,-21-4,32 4,1 0,-1 0,0-1,0 1,0 0,0-1,0 1,0-1,0 1,1-1,-1 1,0-1,0 0,1 1,-1-1,0 0,1 0,-1 1,1-1,-1-1,0 1,1 1,0-1,0 1,0-1,0 1,0-1,1 1,-1-1,0 1,0-1,0 1,0 0,0-1,1 1,-1-1,0 1,0-1,1 1,-1 0,0-1,1 1,-1-1,0 1,1 0,-1-1,1 1,0-1,0 1,0-1,0 1,0-1,0 1,0-1,0 1,0 0,0 0,1 0,-1-1,0 1,0 0,0 0,0 1,0-1,0 0,0 0,0 0,1 1,-1-1,0 1,0-1,0 0,0 1,-1 0,1-1,0 1,0 0,0-1,0 1,-1 0,1 0,1 1,1 3,1-1,0 0,-1 0,2-1,-1 1,0-1,1 0,-1 0,1 0,0-1,7 3,-10-3,0-1,0 0,0 0,-1 1,1-1,-1 1,1 0,-1-1,2 4,13 13,2-3,-18-15,0 0,0 0,0 0,0 0,0 0,0 0,0 0,0 0,0 0,0 0,0 0,0 1,0-1,0 0,0 0,0 0,0 0,0 0,0 0,0 0,0 0,0 0,0 0,0 0,0 0,0 0,0 0,0 0,-1 1,1-1,0 0,0 0,0 0,0 0,0 0,0 0,0 0,0 0,0 0,0 0,0 0,0 0,0 0,0 0,0 0,0 0,-1 0,1 0,0 0,0 0,0 0,0 0,0 0,0 0,0 0,0 0,0 0,0 0,0 0,0 0,0 0,0 0,0 0,-1 0,1 0,0 0,0 0,0 0,-13-6,-3-8,14 12,0 0,0 0,0 0,0 1,-1-1,1 1,-5-3,4 3</inkml:trace>
+</inkml:ink>
+</file>
+
+<file path=ppt/ink/ink8.xml><?xml version="1.0" encoding="utf-8"?>
+<inkml:ink xmlns:inkml="http://www.w3.org/2003/InkML">
+  <inkml:definitions>
+    <inkml:context xml:id="ctx0">
+      <inkml:inkSource xml:id="inkSrc0">
+        <inkml:traceFormat>
+          <inkml:channel name="X" type="integer" min="-2.14748E9" max="2.14748E9" units="cm"/>
+          <inkml:channel name="Y" type="integer" min="-2.14748E9" max="2.14748E9" units="cm"/>
+        </inkml:traceFormat>
+        <inkml:channelProperties>
+          <inkml:channelProperty channel="X" name="resolution" value="1000" units="1/cm"/>
+          <inkml:channelProperty channel="Y" name="resolution" value="1000" units="1/cm"/>
+        </inkml:channelProperties>
+      </inkml:inkSource>
+      <inkml:timestamp xml:id="ts0" timeString="2024-02-22T12:01:49.949"/>
+    </inkml:context>
+    <inkml:brush xml:id="br0">
+      <inkml:brushProperty name="width" value="0.025" units="cm"/>
+      <inkml:brushProperty name="height" value="0.025" units="cm"/>
+      <inkml:brushProperty name="color" value="#FFFFFF"/>
+      <inkml:brushProperty name="ignorePressure" value="1"/>
+    </inkml:brush>
+  </inkml:definitions>
+  <inkml:trace contextRef="#ctx0" brushRef="#br0">58 0,'1'21,"0"-15,-1 0,0 1,0-1,0 0,-1 1,-2 9,-1-62,4 45,0-1,1 0,-1 1,0-1,1 1,-1-1,1 1,-1-1,1 1,0-1,0 1,1-2,-2 3,0-1,0 1,1 0,-1-1,0 1,1 0,-1 0,1-1,-1 1,0 0,1 0,-1 0,1 0,-1-1,0 1,1 0,-1 0,1 0,-1 0,1 0,-1 0,1 0,-1 0,0 0,1 0,-1 0,1 1,-1-1,1 0,-1 0,0 0,1 0,-1 1,0-1,1 0,-1 1,1-1,-1 0,0 0,0 1,1-1,-1 0,0 1,0-1,1 1,-1-1,0 0,0 1,0 0,1-1,-1 0,0 1,0-1,0 0,0 0,1 1,-1-1,0 0,0 1,0-1,0 0,0 0,0 1,0-1,0 0,0 1,0-1,0 0,0 1,0-1,0 0,0 1,-1-1,1 0,0 0,0 1,0-1,0 0,0 0,-1 1,1-1,0 0,0 0,0 1,-1-1,1 0,0 0,-1 0,-14 8,13-7,1-1,-1 1,1 0,-1-1,1 1,-1 0,1 0,0 0,0 0,-3 2,2 15,-2 12,3-29,1-1,0 1,0-1,0 1,0-1,-1 1,1-1,0 1,0-1,-1 1,1-1,0 1,-1-1,1 0,-1 1,1-1,0 1,-1-1,1 0,-1 1,1-1,-1 0,1 0,-1 0,1 1,-1-1,1 0,-1 0,0 0,1 0,-1 0,1 0,-1 0,1 0,-1 0,0 0,1 0,-2-1,2 1,0 0,0 0,0 0,0 0,0 0,0-1,-1 1,1 0,0 0,0 0,0 0,0 0,0 0,-1 0,1-1,0 1,0 0,0 0,-1 0,1 0,0 0,0 0,0 0,0 0,-1 0,1 0,0 0,0 0,0 0,-1 0,1 0,0 0,0 1,0-1,0 0,-1 0,1 0,0 0,0 0,0 0,0 0,0 0,-1 1,1-1,0 0,0 0,0 0,0 0,0 0,0 1,0-1,0 0,-1 0,1 0,0 1,0-1,0 0,0 0,0 0,0 0,0 1,0-1,0 0,0 0,0 1,1-1,-1 0,0 1,0-1,0 0,0 1,0-1,0 0,0 1,0-1,-1 0,1 1,0-1,0 0,0 0,0 1,0-1,0 0,-1 1,1-1,0 0,0 0,0 1,-1-1,1 0,0 0,0 1,-1-1,1 0,0 0,-1 0,1 0,0 0,0 1,-1-1,1 0,0 0,-1 0,-3 1</inkml:trace>
+</inkml:ink>
+</file>
+
+<file path=ppt/ink/ink9.xml><?xml version="1.0" encoding="utf-8"?>
+<inkml:ink xmlns:inkml="http://www.w3.org/2003/InkML">
+  <inkml:definitions>
+    <inkml:context xml:id="ctx0">
+      <inkml:inkSource xml:id="inkSrc0">
+        <inkml:traceFormat>
+          <inkml:channel name="X" type="integer" min="-2.14748E9" max="2.14748E9" units="cm"/>
+          <inkml:channel name="Y" type="integer" min="-2.14748E9" max="2.14748E9" units="cm"/>
+        </inkml:traceFormat>
+        <inkml:channelProperties>
+          <inkml:channelProperty channel="X" name="resolution" value="1000" units="1/cm"/>
+          <inkml:channelProperty channel="Y" name="resolution" value="1000" units="1/cm"/>
+        </inkml:channelProperties>
+      </inkml:inkSource>
+      <inkml:timestamp xml:id="ts0" timeString="2024-02-22T12:01:56.443"/>
+    </inkml:context>
+    <inkml:brush xml:id="br0">
+      <inkml:brushProperty name="width" value="0.025" units="cm"/>
+      <inkml:brushProperty name="height" value="0.025" units="cm"/>
+      <inkml:brushProperty name="color" value="#FFFFFF"/>
+      <inkml:brushProperty name="ignorePressure" value="1"/>
+    </inkml:brush>
+  </inkml:definitions>
+  <inkml:trace contextRef="#ctx0" brushRef="#br0">100 0,'0'2,"1"6,-1 1,-1-1,0 1,-2 9,2-15,0 0,0 0,-1 0,1 0,-1 0,1-1,-1 1,0 0,0-1,-1 1,1-1,0 0,-6 4,-5 5,11-9,0 0,0 0,0 0,0-1,0 1,-1-1,1 1,-1-1,-2 1,3-1,0 0,-1 0,1 0,0 0,0 1,0-1,0 1,0-1,0 1,1 0,-1-1,-2 5,6-6,0 0,0-1,-1 1,1 0,0-1,0 1,0-1,-1 1,1-1,0 0,-1 0,3-1,12-6,-10 5,0 1,-1-1,1 0,-1 0,0-1,0 0,0 0,0 0,-1 0,6-8,-8 9</inkml:trace>
+</inkml:ink>
+</file>
+
 <file path=ppt/slideLayouts/slideLayout1.xml><?xml version="1.0" encoding="utf-8"?>
 <p:sldLayout xmlns:a="http://schemas.openxmlformats.org/drawingml/2006/main" xmlns:r="http://schemas.openxmlformats.org/officeDocument/2006/relationships" xmlns:p="http://schemas.openxmlformats.org/presentationml/2006/main" type="title" preserve="1">
   <p:cSld name="Title Slide">
@@ -295,7 +593,7 @@
           <a:p>
             <a:fld id="{57792C16-F24B-4F4E-9560-6BDEACC5E4F6}" type="datetimeFigureOut">
               <a:rPr lang="en-CN" smtClean="0"/>
-              <a:t>2024/2/20</a:t>
+              <a:t>02/22/2024</a:t>
             </a:fld>
             <a:endParaRPr lang="en-CN"/>
           </a:p>
@@ -495,7 +793,7 @@
           <a:p>
             <a:fld id="{57792C16-F24B-4F4E-9560-6BDEACC5E4F6}" type="datetimeFigureOut">
               <a:rPr lang="en-CN" smtClean="0"/>
-              <a:t>2024/2/20</a:t>
+              <a:t>02/22/2024</a:t>
             </a:fld>
             <a:endParaRPr lang="en-CN"/>
           </a:p>
@@ -705,7 +1003,7 @@
           <a:p>
             <a:fld id="{57792C16-F24B-4F4E-9560-6BDEACC5E4F6}" type="datetimeFigureOut">
               <a:rPr lang="en-CN" smtClean="0"/>
-              <a:t>2024/2/20</a:t>
+              <a:t>02/22/2024</a:t>
             </a:fld>
             <a:endParaRPr lang="en-CN"/>
           </a:p>
@@ -905,7 +1203,7 @@
           <a:p>
             <a:fld id="{57792C16-F24B-4F4E-9560-6BDEACC5E4F6}" type="datetimeFigureOut">
               <a:rPr lang="en-CN" smtClean="0"/>
-              <a:t>2024/2/20</a:t>
+              <a:t>02/22/2024</a:t>
             </a:fld>
             <a:endParaRPr lang="en-CN"/>
           </a:p>
@@ -1181,7 +1479,7 @@
           <a:p>
             <a:fld id="{57792C16-F24B-4F4E-9560-6BDEACC5E4F6}" type="datetimeFigureOut">
               <a:rPr lang="en-CN" smtClean="0"/>
-              <a:t>2024/2/20</a:t>
+              <a:t>02/22/2024</a:t>
             </a:fld>
             <a:endParaRPr lang="en-CN"/>
           </a:p>
@@ -1449,7 +1747,7 @@
           <a:p>
             <a:fld id="{57792C16-F24B-4F4E-9560-6BDEACC5E4F6}" type="datetimeFigureOut">
               <a:rPr lang="en-CN" smtClean="0"/>
-              <a:t>2024/2/20</a:t>
+              <a:t>02/22/2024</a:t>
             </a:fld>
             <a:endParaRPr lang="en-CN"/>
           </a:p>
@@ -1864,7 +2162,7 @@
           <a:p>
             <a:fld id="{57792C16-F24B-4F4E-9560-6BDEACC5E4F6}" type="datetimeFigureOut">
               <a:rPr lang="en-CN" smtClean="0"/>
-              <a:t>2024/2/20</a:t>
+              <a:t>02/22/2024</a:t>
             </a:fld>
             <a:endParaRPr lang="en-CN"/>
           </a:p>
@@ -2006,7 +2304,7 @@
           <a:p>
             <a:fld id="{57792C16-F24B-4F4E-9560-6BDEACC5E4F6}" type="datetimeFigureOut">
               <a:rPr lang="en-CN" smtClean="0"/>
-              <a:t>2024/2/20</a:t>
+              <a:t>02/22/2024</a:t>
             </a:fld>
             <a:endParaRPr lang="en-CN"/>
           </a:p>
@@ -2119,7 +2417,7 @@
           <a:p>
             <a:fld id="{57792C16-F24B-4F4E-9560-6BDEACC5E4F6}" type="datetimeFigureOut">
               <a:rPr lang="en-CN" smtClean="0"/>
-              <a:t>2024/2/20</a:t>
+              <a:t>02/22/2024</a:t>
             </a:fld>
             <a:endParaRPr lang="en-CN"/>
           </a:p>
@@ -2432,7 +2730,7 @@
           <a:p>
             <a:fld id="{57792C16-F24B-4F4E-9560-6BDEACC5E4F6}" type="datetimeFigureOut">
               <a:rPr lang="en-CN" smtClean="0"/>
-              <a:t>2024/2/20</a:t>
+              <a:t>02/22/2024</a:t>
             </a:fld>
             <a:endParaRPr lang="en-CN"/>
           </a:p>
@@ -2721,7 +3019,7 @@
           <a:p>
             <a:fld id="{57792C16-F24B-4F4E-9560-6BDEACC5E4F6}" type="datetimeFigureOut">
               <a:rPr lang="en-CN" smtClean="0"/>
-              <a:t>2024/2/20</a:t>
+              <a:t>02/22/2024</a:t>
             </a:fld>
             <a:endParaRPr lang="en-CN"/>
           </a:p>
@@ -2964,7 +3262,7 @@
           <a:p>
             <a:fld id="{57792C16-F24B-4F4E-9560-6BDEACC5E4F6}" type="datetimeFigureOut">
               <a:rPr lang="en-CN" smtClean="0"/>
-              <a:t>2024/2/20</a:t>
+              <a:t>02/22/2024</a:t>
             </a:fld>
             <a:endParaRPr lang="en-CN"/>
           </a:p>
@@ -13505,6 +13803,1001 @@
 </p:sld>
 </file>
 
+<file path=ppt/slides/slide8.xml><?xml version="1.0" encoding="utf-8"?>
+<p:sld xmlns:a="http://schemas.openxmlformats.org/drawingml/2006/main" xmlns:r="http://schemas.openxmlformats.org/officeDocument/2006/relationships" xmlns:p="http://schemas.openxmlformats.org/presentationml/2006/main">
+  <p:cSld>
+    <p:spTree>
+      <p:nvGrpSpPr>
+        <p:cNvPr id="1" name=""/>
+        <p:cNvGrpSpPr/>
+        <p:nvPr/>
+      </p:nvGrpSpPr>
+      <p:grpSpPr>
+        <a:xfrm>
+          <a:off x="0" y="0"/>
+          <a:ext cx="0" cy="0"/>
+          <a:chOff x="0" y="0"/>
+          <a:chExt cx="0" cy="0"/>
+        </a:xfrm>
+      </p:grpSpPr>
+      <p:sp>
+        <p:nvSpPr>
+          <p:cNvPr id="2" name="Title 1">
+            <a:extLst>
+              <a:ext uri="{FF2B5EF4-FFF2-40B4-BE49-F238E27FC236}">
+                <a16:creationId xmlns:a16="http://schemas.microsoft.com/office/drawing/2014/main" id="{5341E720-BBA7-60EC-E1C2-546E38BAD0B5}"/>
+              </a:ext>
+            </a:extLst>
+          </p:cNvPr>
+          <p:cNvSpPr>
+            <a:spLocks noGrp="1"/>
+          </p:cNvSpPr>
+          <p:nvPr>
+            <p:ph type="title"/>
+          </p:nvPr>
+        </p:nvSpPr>
+        <p:spPr>
+          <a:xfrm>
+            <a:off x="720000" y="72000"/>
+            <a:ext cx="10515600" cy="702716"/>
+          </a:xfrm>
+        </p:spPr>
+        <p:txBody>
+          <a:bodyPr>
+            <a:normAutofit/>
+          </a:bodyPr>
+          <a:lstStyle/>
+          <a:p>
+            <a:pPr>
+              <a:lnSpc>
+                <a:spcPct val="100000"/>
+              </a:lnSpc>
+            </a:pPr>
+            <a:r>
+              <a:rPr lang="zh-CN" altLang="en-US" sz="3200" b="1" dirty="0"/>
+              <a:t>一周工作</a:t>
+            </a:r>
+            <a:endParaRPr lang="en-CN" sz="3200" b="1" dirty="0"/>
+          </a:p>
+        </p:txBody>
+      </p:sp>
+      <p:sp>
+        <p:nvSpPr>
+          <p:cNvPr id="6" name="TextBox 2">
+            <a:extLst>
+              <a:ext uri="{FF2B5EF4-FFF2-40B4-BE49-F238E27FC236}">
+                <a16:creationId xmlns:a16="http://schemas.microsoft.com/office/drawing/2014/main" id="{601006DE-35F6-4D91-AC7B-6B80CB6561C8}"/>
+              </a:ext>
+            </a:extLst>
+          </p:cNvPr>
+          <p:cNvSpPr txBox="1"/>
+          <p:nvPr/>
+        </p:nvSpPr>
+        <p:spPr>
+          <a:xfrm>
+            <a:off x="720000" y="982229"/>
+            <a:ext cx="2985938" cy="400110"/>
+          </a:xfrm>
+          <a:prstGeom prst="rect">
+            <a:avLst/>
+          </a:prstGeom>
+          <a:noFill/>
+        </p:spPr>
+        <p:txBody>
+          <a:bodyPr wrap="square" rtlCol="0">
+            <a:spAutoFit/>
+          </a:bodyPr>
+          <a:lstStyle/>
+          <a:p>
+            <a:r>
+              <a:rPr lang="en-US" sz="2000" b="1" dirty="0"/>
+              <a:t>1. </a:t>
+            </a:r>
+            <a:r>
+              <a:rPr lang="zh-CN" altLang="en-US" sz="2000" b="1" dirty="0"/>
+              <a:t>毕设：开题报告</a:t>
+            </a:r>
+            <a:endParaRPr lang="en-CN" sz="2000" b="1" dirty="0"/>
+          </a:p>
+        </p:txBody>
+      </p:sp>
+      <p:sp>
+        <p:nvSpPr>
+          <p:cNvPr id="7" name="TextBox 12">
+            <a:extLst>
+              <a:ext uri="{FF2B5EF4-FFF2-40B4-BE49-F238E27FC236}">
+                <a16:creationId xmlns:a16="http://schemas.microsoft.com/office/drawing/2014/main" id="{5CD70CC8-8B37-4B89-80FA-C66C835A3D2E}"/>
+              </a:ext>
+            </a:extLst>
+          </p:cNvPr>
+          <p:cNvSpPr txBox="1"/>
+          <p:nvPr/>
+        </p:nvSpPr>
+        <p:spPr>
+          <a:xfrm>
+            <a:off x="720000" y="1650674"/>
+            <a:ext cx="3719289" cy="1631216"/>
+          </a:xfrm>
+          <a:prstGeom prst="rect">
+            <a:avLst/>
+          </a:prstGeom>
+          <a:noFill/>
+        </p:spPr>
+        <p:txBody>
+          <a:bodyPr wrap="square" rtlCol="0">
+            <a:spAutoFit/>
+          </a:bodyPr>
+          <a:lstStyle/>
+          <a:p>
+            <a:pPr marL="285750" indent="-285750">
+              <a:buFont typeface="Arial" panose="020B0604020202020204" pitchFamily="34" charset="0"/>
+              <a:buChar char="•"/>
+            </a:pPr>
+            <a:r>
+              <a:rPr lang="zh-CN" altLang="en-US" sz="2000" dirty="0"/>
+              <a:t>工作记录整理：</a:t>
+            </a:r>
+            <a:r>
+              <a:rPr lang="en-US" altLang="zh-CN" sz="2000" dirty="0"/>
+              <a:t>pipeline</a:t>
+            </a:r>
+          </a:p>
+          <a:p>
+            <a:pPr marL="285750" indent="-285750">
+              <a:buFont typeface="Arial" panose="020B0604020202020204" pitchFamily="34" charset="0"/>
+              <a:buChar char="•"/>
+            </a:pPr>
+            <a:endParaRPr lang="en-US" sz="2000" dirty="0"/>
+          </a:p>
+          <a:p>
+            <a:pPr marL="285750" indent="-285750">
+              <a:buFont typeface="Arial" panose="020B0604020202020204" pitchFamily="34" charset="0"/>
+              <a:buChar char="•"/>
+            </a:pPr>
+            <a:r>
+              <a:rPr lang="zh-CN" altLang="en-US" sz="2000" dirty="0"/>
+              <a:t>命令行整理：脚本</a:t>
+            </a:r>
+            <a:endParaRPr lang="en-US" altLang="zh-CN" sz="2000" dirty="0"/>
+          </a:p>
+          <a:p>
+            <a:pPr marL="285750" indent="-285750">
+              <a:buFont typeface="Arial" panose="020B0604020202020204" pitchFamily="34" charset="0"/>
+              <a:buChar char="•"/>
+            </a:pPr>
+            <a:endParaRPr lang="en-US" sz="2000" dirty="0"/>
+          </a:p>
+          <a:p>
+            <a:pPr marL="285750" indent="-285750">
+              <a:buFont typeface="Arial" panose="020B0604020202020204" pitchFamily="34" charset="0"/>
+              <a:buChar char="•"/>
+            </a:pPr>
+            <a:r>
+              <a:rPr lang="zh-CN" altLang="en-US" sz="2000" dirty="0"/>
+              <a:t>文献整理：标注</a:t>
+            </a:r>
+            <a:r>
+              <a:rPr lang="en-US" altLang="zh-CN" sz="2000" dirty="0"/>
+              <a:t>+</a:t>
+            </a:r>
+            <a:r>
+              <a:rPr lang="zh-CN" altLang="en-US" sz="2000" dirty="0"/>
+              <a:t>笔记</a:t>
+            </a:r>
+            <a:endParaRPr lang="en-US" sz="2000" dirty="0"/>
+          </a:p>
+        </p:txBody>
+      </p:sp>
+      <p:sp>
+        <p:nvSpPr>
+          <p:cNvPr id="10" name="TextBox 12">
+            <a:extLst>
+              <a:ext uri="{FF2B5EF4-FFF2-40B4-BE49-F238E27FC236}">
+                <a16:creationId xmlns:a16="http://schemas.microsoft.com/office/drawing/2014/main" id="{77D2496E-42ED-40EA-83BE-9A9A9A02ED06}"/>
+              </a:ext>
+            </a:extLst>
+          </p:cNvPr>
+          <p:cNvSpPr txBox="1"/>
+          <p:nvPr/>
+        </p:nvSpPr>
+        <p:spPr>
+          <a:xfrm>
+            <a:off x="711860" y="4299788"/>
+            <a:ext cx="3719289" cy="1631216"/>
+          </a:xfrm>
+          <a:prstGeom prst="rect">
+            <a:avLst/>
+          </a:prstGeom>
+          <a:noFill/>
+        </p:spPr>
+        <p:txBody>
+          <a:bodyPr wrap="square" rtlCol="0">
+            <a:spAutoFit/>
+          </a:bodyPr>
+          <a:lstStyle/>
+          <a:p>
+            <a:pPr marL="285750" indent="-285750">
+              <a:buFont typeface="Arial" panose="020B0604020202020204" pitchFamily="34" charset="0"/>
+              <a:buChar char="•"/>
+            </a:pPr>
+            <a:r>
+              <a:rPr lang="en-US" altLang="zh-CN" sz="2000" dirty="0"/>
+              <a:t>Load</a:t>
+            </a:r>
+          </a:p>
+          <a:p>
+            <a:pPr marL="285750" indent="-285750">
+              <a:buFont typeface="Arial" panose="020B0604020202020204" pitchFamily="34" charset="0"/>
+              <a:buChar char="•"/>
+            </a:pPr>
+            <a:endParaRPr lang="en-US" sz="2000" dirty="0"/>
+          </a:p>
+          <a:p>
+            <a:pPr marL="285750" indent="-285750">
+              <a:buFont typeface="Arial" panose="020B0604020202020204" pitchFamily="34" charset="0"/>
+              <a:buChar char="•"/>
+            </a:pPr>
+            <a:r>
+              <a:rPr lang="en-US" sz="2000" dirty="0"/>
+              <a:t>Reads mapping</a:t>
+            </a:r>
+          </a:p>
+          <a:p>
+            <a:pPr marL="285750" indent="-285750">
+              <a:buFont typeface="Arial" panose="020B0604020202020204" pitchFamily="34" charset="0"/>
+              <a:buChar char="•"/>
+            </a:pPr>
+            <a:endParaRPr lang="en-US" sz="2000" dirty="0"/>
+          </a:p>
+          <a:p>
+            <a:pPr marL="285750" indent="-285750">
+              <a:buFont typeface="Arial" panose="020B0604020202020204" pitchFamily="34" charset="0"/>
+              <a:buChar char="•"/>
+            </a:pPr>
+            <a:r>
+              <a:rPr lang="en-US" sz="2000" dirty="0"/>
+              <a:t>TE tools</a:t>
+            </a:r>
+          </a:p>
+        </p:txBody>
+      </p:sp>
+      <p:grpSp>
+        <p:nvGrpSpPr>
+          <p:cNvPr id="22" name="组合 21">
+            <a:extLst>
+              <a:ext uri="{FF2B5EF4-FFF2-40B4-BE49-F238E27FC236}">
+                <a16:creationId xmlns:a16="http://schemas.microsoft.com/office/drawing/2014/main" id="{8D2BA75D-4CEB-4A0C-A4FA-D1B1E9BFBB5C}"/>
+              </a:ext>
+            </a:extLst>
+          </p:cNvPr>
+          <p:cNvGrpSpPr/>
+          <p:nvPr/>
+        </p:nvGrpSpPr>
+        <p:grpSpPr>
+          <a:xfrm>
+            <a:off x="6096000" y="1108737"/>
+            <a:ext cx="4186354" cy="4968133"/>
+            <a:chOff x="6096000" y="1013487"/>
+            <a:chExt cx="4186354" cy="4968133"/>
+          </a:xfrm>
+        </p:grpSpPr>
+        <p:pic>
+          <p:nvPicPr>
+            <p:cNvPr id="12" name="图片 11">
+              <a:extLst>
+                <a:ext uri="{FF2B5EF4-FFF2-40B4-BE49-F238E27FC236}">
+                  <a16:creationId xmlns:a16="http://schemas.microsoft.com/office/drawing/2014/main" id="{73B565E2-89A2-4562-9B04-6380EA72ABD6}"/>
+                </a:ext>
+              </a:extLst>
+            </p:cNvPr>
+            <p:cNvPicPr>
+              <a:picLocks noChangeAspect="1"/>
+            </p:cNvPicPr>
+            <p:nvPr/>
+          </p:nvPicPr>
+          <p:blipFill rotWithShape="1">
+            <a:blip r:embed="rId2"/>
+            <a:srcRect l="47316" t="65314" r="32087" b="2638"/>
+            <a:stretch/>
+          </p:blipFill>
+          <p:spPr>
+            <a:xfrm>
+              <a:off x="6132975" y="1417367"/>
+              <a:ext cx="4149379" cy="4564253"/>
+            </a:xfrm>
+            <a:prstGeom prst="rect">
+              <a:avLst/>
+            </a:prstGeom>
+          </p:spPr>
+        </p:pic>
+        <mc:AlternateContent xmlns:mc="http://schemas.openxmlformats.org/markup-compatibility/2006">
+          <mc:Choice xmlns:p14="http://schemas.microsoft.com/office/powerpoint/2010/main" Requires="p14">
+            <p:contentPart p14:bwMode="auto" r:id="rId3">
+              <p14:nvContentPartPr>
+                <p14:cNvPr id="11" name="墨迹 10">
+                  <a:extLst>
+                    <a:ext uri="{FF2B5EF4-FFF2-40B4-BE49-F238E27FC236}">
+                      <a16:creationId xmlns:a16="http://schemas.microsoft.com/office/drawing/2014/main" id="{200EC856-CF5B-41E1-AA62-B0AC01CA27EA}"/>
+                    </a:ext>
+                  </a:extLst>
+                </p14:cNvPr>
+                <p14:cNvContentPartPr/>
+                <p14:nvPr/>
+              </p14:nvContentPartPr>
+              <p14:xfrm>
+                <a:off x="6187080" y="1013487"/>
+                <a:ext cx="142560" cy="543960"/>
+              </p14:xfrm>
+            </p:contentPart>
+          </mc:Choice>
+          <mc:Fallback>
+            <p:pic>
+              <p:nvPicPr>
+                <p:cNvPr id="11" name="墨迹 10">
+                  <a:extLst>
+                    <a:ext uri="{FF2B5EF4-FFF2-40B4-BE49-F238E27FC236}">
+                      <a16:creationId xmlns:a16="http://schemas.microsoft.com/office/drawing/2014/main" id="{200EC856-CF5B-41E1-AA62-B0AC01CA27EA}"/>
+                    </a:ext>
+                  </a:extLst>
+                </p:cNvPr>
+                <p:cNvPicPr/>
+                <p:nvPr/>
+              </p:nvPicPr>
+              <p:blipFill>
+                <a:blip r:embed="rId4"/>
+                <a:stretch>
+                  <a:fillRect/>
+                </a:stretch>
+              </p:blipFill>
+              <p:spPr>
+                <a:xfrm>
+                  <a:off x="6178080" y="1004487"/>
+                  <a:ext cx="160200" cy="561600"/>
+                </a:xfrm>
+                <a:prstGeom prst="rect">
+                  <a:avLst/>
+                </a:prstGeom>
+              </p:spPr>
+            </p:pic>
+          </mc:Fallback>
+        </mc:AlternateContent>
+        <mc:AlternateContent xmlns:mc="http://schemas.openxmlformats.org/markup-compatibility/2006">
+          <mc:Choice xmlns:p14="http://schemas.microsoft.com/office/powerpoint/2010/main" Requires="p14">
+            <p:contentPart p14:bwMode="auto" r:id="rId5">
+              <p14:nvContentPartPr>
+                <p14:cNvPr id="13" name="墨迹 12">
+                  <a:extLst>
+                    <a:ext uri="{FF2B5EF4-FFF2-40B4-BE49-F238E27FC236}">
+                      <a16:creationId xmlns:a16="http://schemas.microsoft.com/office/drawing/2014/main" id="{04210189-43FF-4AFF-BF98-0A043FFCF530}"/>
+                    </a:ext>
+                  </a:extLst>
+                </p14:cNvPr>
+                <p14:cNvContentPartPr/>
+                <p14:nvPr/>
+              </p14:nvContentPartPr>
+              <p14:xfrm>
+                <a:off x="6182400" y="1147047"/>
+                <a:ext cx="204120" cy="330480"/>
+              </p14:xfrm>
+            </p:contentPart>
+          </mc:Choice>
+          <mc:Fallback>
+            <p:pic>
+              <p:nvPicPr>
+                <p:cNvPr id="13" name="墨迹 12">
+                  <a:extLst>
+                    <a:ext uri="{FF2B5EF4-FFF2-40B4-BE49-F238E27FC236}">
+                      <a16:creationId xmlns:a16="http://schemas.microsoft.com/office/drawing/2014/main" id="{04210189-43FF-4AFF-BF98-0A043FFCF530}"/>
+                    </a:ext>
+                  </a:extLst>
+                </p:cNvPr>
+                <p:cNvPicPr/>
+                <p:nvPr/>
+              </p:nvPicPr>
+              <p:blipFill>
+                <a:blip r:embed="rId6"/>
+                <a:stretch>
+                  <a:fillRect/>
+                </a:stretch>
+              </p:blipFill>
+              <p:spPr>
+                <a:xfrm>
+                  <a:off x="6119760" y="1084047"/>
+                  <a:ext cx="329760" cy="456120"/>
+                </a:xfrm>
+                <a:prstGeom prst="rect">
+                  <a:avLst/>
+                </a:prstGeom>
+              </p:spPr>
+            </p:pic>
+          </mc:Fallback>
+        </mc:AlternateContent>
+        <mc:AlternateContent xmlns:mc="http://schemas.openxmlformats.org/markup-compatibility/2006">
+          <mc:Choice xmlns:p14="http://schemas.microsoft.com/office/powerpoint/2010/main" Requires="p14">
+            <p:contentPart p14:bwMode="auto" r:id="rId7">
+              <p14:nvContentPartPr>
+                <p14:cNvPr id="14" name="墨迹 13">
+                  <a:extLst>
+                    <a:ext uri="{FF2B5EF4-FFF2-40B4-BE49-F238E27FC236}">
+                      <a16:creationId xmlns:a16="http://schemas.microsoft.com/office/drawing/2014/main" id="{3F0B8874-28E2-4AEE-8B66-9A4165702A1F}"/>
+                    </a:ext>
+                  </a:extLst>
+                </p14:cNvPr>
+                <p14:cNvContentPartPr/>
+                <p14:nvPr/>
+              </p14:nvContentPartPr>
+              <p14:xfrm>
+                <a:off x="6096000" y="3871167"/>
+                <a:ext cx="255240" cy="317520"/>
+              </p14:xfrm>
+            </p:contentPart>
+          </mc:Choice>
+          <mc:Fallback>
+            <p:pic>
+              <p:nvPicPr>
+                <p:cNvPr id="14" name="墨迹 13">
+                  <a:extLst>
+                    <a:ext uri="{FF2B5EF4-FFF2-40B4-BE49-F238E27FC236}">
+                      <a16:creationId xmlns:a16="http://schemas.microsoft.com/office/drawing/2014/main" id="{3F0B8874-28E2-4AEE-8B66-9A4165702A1F}"/>
+                    </a:ext>
+                  </a:extLst>
+                </p:cNvPr>
+                <p:cNvPicPr/>
+                <p:nvPr/>
+              </p:nvPicPr>
+              <p:blipFill>
+                <a:blip r:embed="rId8"/>
+                <a:stretch>
+                  <a:fillRect/>
+                </a:stretch>
+              </p:blipFill>
+              <p:spPr>
+                <a:xfrm>
+                  <a:off x="6033360" y="3808167"/>
+                  <a:ext cx="380880" cy="443160"/>
+                </a:xfrm>
+                <a:prstGeom prst="rect">
+                  <a:avLst/>
+                </a:prstGeom>
+              </p:spPr>
+            </p:pic>
+          </mc:Fallback>
+        </mc:AlternateContent>
+        <mc:AlternateContent xmlns:mc="http://schemas.openxmlformats.org/markup-compatibility/2006">
+          <mc:Choice xmlns:p14="http://schemas.microsoft.com/office/powerpoint/2010/main" Requires="p14">
+            <p:contentPart p14:bwMode="auto" r:id="rId9">
+              <p14:nvContentPartPr>
+                <p14:cNvPr id="15" name="墨迹 14">
+                  <a:extLst>
+                    <a:ext uri="{FF2B5EF4-FFF2-40B4-BE49-F238E27FC236}">
+                      <a16:creationId xmlns:a16="http://schemas.microsoft.com/office/drawing/2014/main" id="{A7DEC8FE-3AF0-4D67-B86F-CCA7854C2DBD}"/>
+                    </a:ext>
+                  </a:extLst>
+                </p14:cNvPr>
+                <p14:cNvContentPartPr/>
+                <p14:nvPr/>
+              </p14:nvContentPartPr>
+              <p14:xfrm>
+                <a:off x="8298120" y="1179087"/>
+                <a:ext cx="747000" cy="756720"/>
+              </p14:xfrm>
+            </p:contentPart>
+          </mc:Choice>
+          <mc:Fallback>
+            <p:pic>
+              <p:nvPicPr>
+                <p:cNvPr id="15" name="墨迹 14">
+                  <a:extLst>
+                    <a:ext uri="{FF2B5EF4-FFF2-40B4-BE49-F238E27FC236}">
+                      <a16:creationId xmlns:a16="http://schemas.microsoft.com/office/drawing/2014/main" id="{A7DEC8FE-3AF0-4D67-B86F-CCA7854C2DBD}"/>
+                    </a:ext>
+                  </a:extLst>
+                </p:cNvPr>
+                <p:cNvPicPr/>
+                <p:nvPr/>
+              </p:nvPicPr>
+              <p:blipFill>
+                <a:blip r:embed="rId10"/>
+                <a:stretch>
+                  <a:fillRect/>
+                </a:stretch>
+              </p:blipFill>
+              <p:spPr>
+                <a:xfrm>
+                  <a:off x="8235120" y="1116087"/>
+                  <a:ext cx="872640" cy="882360"/>
+                </a:xfrm>
+                <a:prstGeom prst="rect">
+                  <a:avLst/>
+                </a:prstGeom>
+              </p:spPr>
+            </p:pic>
+          </mc:Fallback>
+        </mc:AlternateContent>
+        <mc:AlternateContent xmlns:mc="http://schemas.openxmlformats.org/markup-compatibility/2006">
+          <mc:Choice xmlns:p14="http://schemas.microsoft.com/office/powerpoint/2010/main" Requires="p14">
+            <p:contentPart p14:bwMode="auto" r:id="rId11">
+              <p14:nvContentPartPr>
+                <p14:cNvPr id="16" name="墨迹 15">
+                  <a:extLst>
+                    <a:ext uri="{FF2B5EF4-FFF2-40B4-BE49-F238E27FC236}">
+                      <a16:creationId xmlns:a16="http://schemas.microsoft.com/office/drawing/2014/main" id="{65BC0823-FDC4-465F-B852-B6D6479F7579}"/>
+                    </a:ext>
+                  </a:extLst>
+                </p14:cNvPr>
+                <p14:cNvContentPartPr/>
+                <p14:nvPr/>
+              </p14:nvContentPartPr>
+              <p14:xfrm>
+                <a:off x="8385400" y="3831057"/>
+                <a:ext cx="659880" cy="703800"/>
+              </p14:xfrm>
+            </p:contentPart>
+          </mc:Choice>
+          <mc:Fallback>
+            <p:pic>
+              <p:nvPicPr>
+                <p:cNvPr id="16" name="墨迹 15">
+                  <a:extLst>
+                    <a:ext uri="{FF2B5EF4-FFF2-40B4-BE49-F238E27FC236}">
+                      <a16:creationId xmlns:a16="http://schemas.microsoft.com/office/drawing/2014/main" id="{65BC0823-FDC4-465F-B852-B6D6479F7579}"/>
+                    </a:ext>
+                  </a:extLst>
+                </p:cNvPr>
+                <p:cNvPicPr/>
+                <p:nvPr/>
+              </p:nvPicPr>
+              <p:blipFill>
+                <a:blip r:embed="rId12"/>
+                <a:stretch>
+                  <a:fillRect/>
+                </a:stretch>
+              </p:blipFill>
+              <p:spPr>
+                <a:xfrm>
+                  <a:off x="8322400" y="3768417"/>
+                  <a:ext cx="785520" cy="829440"/>
+                </a:xfrm>
+                <a:prstGeom prst="rect">
+                  <a:avLst/>
+                </a:prstGeom>
+              </p:spPr>
+            </p:pic>
+          </mc:Fallback>
+        </mc:AlternateContent>
+        <mc:AlternateContent xmlns:mc="http://schemas.openxmlformats.org/markup-compatibility/2006">
+          <mc:Choice xmlns:p14="http://schemas.microsoft.com/office/powerpoint/2010/main" Requires="p14">
+            <p:contentPart p14:bwMode="auto" r:id="rId13">
+              <p14:nvContentPartPr>
+                <p14:cNvPr id="17" name="墨迹 16">
+                  <a:extLst>
+                    <a:ext uri="{FF2B5EF4-FFF2-40B4-BE49-F238E27FC236}">
+                      <a16:creationId xmlns:a16="http://schemas.microsoft.com/office/drawing/2014/main" id="{7D5CCE9F-7731-4DEF-946B-D463ECC606F0}"/>
+                    </a:ext>
+                  </a:extLst>
+                </p14:cNvPr>
+                <p14:cNvContentPartPr/>
+                <p14:nvPr/>
+              </p14:nvContentPartPr>
+              <p14:xfrm>
+                <a:off x="8369920" y="4527297"/>
+                <a:ext cx="160560" cy="60120"/>
+              </p14:xfrm>
+            </p:contentPart>
+          </mc:Choice>
+          <mc:Fallback>
+            <p:pic>
+              <p:nvPicPr>
+                <p:cNvPr id="17" name="墨迹 16">
+                  <a:extLst>
+                    <a:ext uri="{FF2B5EF4-FFF2-40B4-BE49-F238E27FC236}">
+                      <a16:creationId xmlns:a16="http://schemas.microsoft.com/office/drawing/2014/main" id="{7D5CCE9F-7731-4DEF-946B-D463ECC606F0}"/>
+                    </a:ext>
+                  </a:extLst>
+                </p:cNvPr>
+                <p:cNvPicPr/>
+                <p:nvPr/>
+              </p:nvPicPr>
+              <p:blipFill>
+                <a:blip r:embed="rId14"/>
+                <a:stretch>
+                  <a:fillRect/>
+                </a:stretch>
+              </p:blipFill>
+              <p:spPr>
+                <a:xfrm>
+                  <a:off x="8365600" y="4522977"/>
+                  <a:ext cx="169200" cy="68760"/>
+                </a:xfrm>
+                <a:prstGeom prst="rect">
+                  <a:avLst/>
+                </a:prstGeom>
+              </p:spPr>
+            </p:pic>
+          </mc:Fallback>
+        </mc:AlternateContent>
+        <mc:AlternateContent xmlns:mc="http://schemas.openxmlformats.org/markup-compatibility/2006">
+          <mc:Choice xmlns:p14="http://schemas.microsoft.com/office/powerpoint/2010/main" Requires="p14">
+            <p:contentPart p14:bwMode="auto" r:id="rId15">
+              <p14:nvContentPartPr>
+                <p14:cNvPr id="18" name="墨迹 17">
+                  <a:extLst>
+                    <a:ext uri="{FF2B5EF4-FFF2-40B4-BE49-F238E27FC236}">
+                      <a16:creationId xmlns:a16="http://schemas.microsoft.com/office/drawing/2014/main" id="{9ACF4DE0-101A-48E9-89B5-F4890436E7C4}"/>
+                    </a:ext>
+                  </a:extLst>
+                </p14:cNvPr>
+                <p14:cNvContentPartPr/>
+                <p14:nvPr/>
+              </p14:nvContentPartPr>
+              <p14:xfrm>
+                <a:off x="8556400" y="4584897"/>
+                <a:ext cx="28800" cy="41040"/>
+              </p14:xfrm>
+            </p:contentPart>
+          </mc:Choice>
+          <mc:Fallback>
+            <p:pic>
+              <p:nvPicPr>
+                <p:cNvPr id="18" name="墨迹 17">
+                  <a:extLst>
+                    <a:ext uri="{FF2B5EF4-FFF2-40B4-BE49-F238E27FC236}">
+                      <a16:creationId xmlns:a16="http://schemas.microsoft.com/office/drawing/2014/main" id="{9ACF4DE0-101A-48E9-89B5-F4890436E7C4}"/>
+                    </a:ext>
+                  </a:extLst>
+                </p:cNvPr>
+                <p:cNvPicPr/>
+                <p:nvPr/>
+              </p:nvPicPr>
+              <p:blipFill>
+                <a:blip r:embed="rId16"/>
+                <a:stretch>
+                  <a:fillRect/>
+                </a:stretch>
+              </p:blipFill>
+              <p:spPr>
+                <a:xfrm>
+                  <a:off x="8552080" y="4580577"/>
+                  <a:ext cx="37440" cy="49680"/>
+                </a:xfrm>
+                <a:prstGeom prst="rect">
+                  <a:avLst/>
+                </a:prstGeom>
+              </p:spPr>
+            </p:pic>
+          </mc:Fallback>
+        </mc:AlternateContent>
+        <mc:AlternateContent xmlns:mc="http://schemas.openxmlformats.org/markup-compatibility/2006">
+          <mc:Choice xmlns:p14="http://schemas.microsoft.com/office/powerpoint/2010/main" Requires="p14">
+            <p:contentPart p14:bwMode="auto" r:id="rId17">
+              <p14:nvContentPartPr>
+                <p14:cNvPr id="19" name="墨迹 18">
+                  <a:extLst>
+                    <a:ext uri="{FF2B5EF4-FFF2-40B4-BE49-F238E27FC236}">
+                      <a16:creationId xmlns:a16="http://schemas.microsoft.com/office/drawing/2014/main" id="{BDD890F3-FEA6-4121-BF21-DFD6EF75EBED}"/>
+                    </a:ext>
+                  </a:extLst>
+                </p14:cNvPr>
+                <p14:cNvContentPartPr/>
+                <p14:nvPr/>
+              </p14:nvContentPartPr>
+              <p14:xfrm>
+                <a:off x="8579343" y="4547727"/>
+                <a:ext cx="38160" cy="52200"/>
+              </p14:xfrm>
+            </p:contentPart>
+          </mc:Choice>
+          <mc:Fallback>
+            <p:pic>
+              <p:nvPicPr>
+                <p:cNvPr id="19" name="墨迹 18">
+                  <a:extLst>
+                    <a:ext uri="{FF2B5EF4-FFF2-40B4-BE49-F238E27FC236}">
+                      <a16:creationId xmlns:a16="http://schemas.microsoft.com/office/drawing/2014/main" id="{BDD890F3-FEA6-4121-BF21-DFD6EF75EBED}"/>
+                    </a:ext>
+                  </a:extLst>
+                </p:cNvPr>
+                <p:cNvPicPr/>
+                <p:nvPr/>
+              </p:nvPicPr>
+              <p:blipFill>
+                <a:blip r:embed="rId18"/>
+                <a:stretch>
+                  <a:fillRect/>
+                </a:stretch>
+              </p:blipFill>
+              <p:spPr>
+                <a:xfrm>
+                  <a:off x="8575023" y="4543407"/>
+                  <a:ext cx="46800" cy="60840"/>
+                </a:xfrm>
+                <a:prstGeom prst="rect">
+                  <a:avLst/>
+                </a:prstGeom>
+              </p:spPr>
+            </p:pic>
+          </mc:Fallback>
+        </mc:AlternateContent>
+        <p:grpSp>
+          <p:nvGrpSpPr>
+            <p:cNvPr id="25" name="组合 24">
+              <a:extLst>
+                <a:ext uri="{FF2B5EF4-FFF2-40B4-BE49-F238E27FC236}">
+                  <a16:creationId xmlns:a16="http://schemas.microsoft.com/office/drawing/2014/main" id="{FE5CE878-FE9A-4B37-BE4B-126F33DBD6ED}"/>
+                </a:ext>
+              </a:extLst>
+            </p:cNvPr>
+            <p:cNvGrpSpPr/>
+            <p:nvPr/>
+          </p:nvGrpSpPr>
+          <p:grpSpPr>
+            <a:xfrm>
+              <a:off x="8397903" y="4512087"/>
+              <a:ext cx="155520" cy="134640"/>
+              <a:chOff x="8088193" y="4571090"/>
+              <a:chExt cx="155520" cy="134640"/>
+            </a:xfrm>
+          </p:grpSpPr>
+          <mc:AlternateContent xmlns:mc="http://schemas.openxmlformats.org/markup-compatibility/2006">
+            <mc:Choice xmlns:p14="http://schemas.microsoft.com/office/powerpoint/2010/main" Requires="p14">
+              <p:contentPart p14:bwMode="auto" r:id="rId19">
+                <p14:nvContentPartPr>
+                  <p14:cNvPr id="20" name="墨迹 19">
+                    <a:extLst>
+                      <a:ext uri="{FF2B5EF4-FFF2-40B4-BE49-F238E27FC236}">
+                        <a16:creationId xmlns:a16="http://schemas.microsoft.com/office/drawing/2014/main" id="{C6A1F41C-87AB-47D5-8D6E-B3FF4216E6FA}"/>
+                      </a:ext>
+                    </a:extLst>
+                  </p14:cNvPr>
+                  <p14:cNvContentPartPr/>
+                  <p14:nvPr/>
+                </p14:nvContentPartPr>
+                <p14:xfrm>
+                  <a:off x="8088193" y="4626890"/>
+                  <a:ext cx="148320" cy="78840"/>
+                </p14:xfrm>
+              </p:contentPart>
+            </mc:Choice>
+            <mc:Fallback>
+              <p:pic>
+                <p:nvPicPr>
+                  <p:cNvPr id="20" name="墨迹 19">
+                    <a:extLst>
+                      <a:ext uri="{FF2B5EF4-FFF2-40B4-BE49-F238E27FC236}">
+                        <a16:creationId xmlns:a16="http://schemas.microsoft.com/office/drawing/2014/main" id="{C6A1F41C-87AB-47D5-8D6E-B3FF4216E6FA}"/>
+                      </a:ext>
+                    </a:extLst>
+                  </p:cNvPr>
+                  <p:cNvPicPr/>
+                  <p:nvPr/>
+                </p:nvPicPr>
+                <p:blipFill>
+                  <a:blip r:embed="rId20"/>
+                  <a:stretch>
+                    <a:fillRect/>
+                  </a:stretch>
+                </p:blipFill>
+                <p:spPr>
+                  <a:xfrm>
+                    <a:off x="8083873" y="4622570"/>
+                    <a:ext cx="156960" cy="87480"/>
+                  </a:xfrm>
+                  <a:prstGeom prst="rect">
+                    <a:avLst/>
+                  </a:prstGeom>
+                </p:spPr>
+              </p:pic>
+            </mc:Fallback>
+          </mc:AlternateContent>
+          <mc:AlternateContent xmlns:mc="http://schemas.openxmlformats.org/markup-compatibility/2006">
+            <mc:Choice xmlns:p14="http://schemas.microsoft.com/office/powerpoint/2010/main" Requires="p14">
+              <p:contentPart p14:bwMode="auto" r:id="rId21">
+                <p14:nvContentPartPr>
+                  <p14:cNvPr id="21" name="墨迹 20">
+                    <a:extLst>
+                      <a:ext uri="{FF2B5EF4-FFF2-40B4-BE49-F238E27FC236}">
+                        <a16:creationId xmlns:a16="http://schemas.microsoft.com/office/drawing/2014/main" id="{EC6E461A-B3F2-4631-ABF0-FF2FCC8FDB2D}"/>
+                      </a:ext>
+                    </a:extLst>
+                  </p14:cNvPr>
+                  <p14:cNvContentPartPr/>
+                  <p14:nvPr/>
+                </p14:nvContentPartPr>
+                <p14:xfrm>
+                  <a:off x="8226073" y="4687730"/>
+                  <a:ext cx="17640" cy="12960"/>
+                </p14:xfrm>
+              </p:contentPart>
+            </mc:Choice>
+            <mc:Fallback>
+              <p:pic>
+                <p:nvPicPr>
+                  <p:cNvPr id="21" name="墨迹 20">
+                    <a:extLst>
+                      <a:ext uri="{FF2B5EF4-FFF2-40B4-BE49-F238E27FC236}">
+                        <a16:creationId xmlns:a16="http://schemas.microsoft.com/office/drawing/2014/main" id="{EC6E461A-B3F2-4631-ABF0-FF2FCC8FDB2D}"/>
+                      </a:ext>
+                    </a:extLst>
+                  </p:cNvPr>
+                  <p:cNvPicPr/>
+                  <p:nvPr/>
+                </p:nvPicPr>
+                <p:blipFill>
+                  <a:blip r:embed="rId22"/>
+                  <a:stretch>
+                    <a:fillRect/>
+                  </a:stretch>
+                </p:blipFill>
+                <p:spPr>
+                  <a:xfrm>
+                    <a:off x="8221753" y="4683410"/>
+                    <a:ext cx="26280" cy="21600"/>
+                  </a:xfrm>
+                  <a:prstGeom prst="rect">
+                    <a:avLst/>
+                  </a:prstGeom>
+                </p:spPr>
+              </p:pic>
+            </mc:Fallback>
+          </mc:AlternateContent>
+          <mc:AlternateContent xmlns:mc="http://schemas.openxmlformats.org/markup-compatibility/2006">
+            <mc:Choice xmlns:p14="http://schemas.microsoft.com/office/powerpoint/2010/main" Requires="p14">
+              <p:contentPart p14:bwMode="auto" r:id="rId23">
+                <p14:nvContentPartPr>
+                  <p14:cNvPr id="24" name="墨迹 23">
+                    <a:extLst>
+                      <a:ext uri="{FF2B5EF4-FFF2-40B4-BE49-F238E27FC236}">
+                        <a16:creationId xmlns:a16="http://schemas.microsoft.com/office/drawing/2014/main" id="{D06B2BDE-EACC-4008-99EF-B1EE0CC1E6D6}"/>
+                      </a:ext>
+                    </a:extLst>
+                  </p14:cNvPr>
+                  <p14:cNvContentPartPr/>
+                  <p14:nvPr/>
+                </p14:nvContentPartPr>
+                <p14:xfrm>
+                  <a:off x="8150113" y="4571090"/>
+                  <a:ext cx="21240" cy="117000"/>
+                </p14:xfrm>
+              </p:contentPart>
+            </mc:Choice>
+            <mc:Fallback>
+              <p:pic>
+                <p:nvPicPr>
+                  <p:cNvPr id="24" name="墨迹 23">
+                    <a:extLst>
+                      <a:ext uri="{FF2B5EF4-FFF2-40B4-BE49-F238E27FC236}">
+                        <a16:creationId xmlns:a16="http://schemas.microsoft.com/office/drawing/2014/main" id="{D06B2BDE-EACC-4008-99EF-B1EE0CC1E6D6}"/>
+                      </a:ext>
+                    </a:extLst>
+                  </p:cNvPr>
+                  <p:cNvPicPr/>
+                  <p:nvPr/>
+                </p:nvPicPr>
+                <p:blipFill>
+                  <a:blip r:embed="rId24"/>
+                  <a:stretch>
+                    <a:fillRect/>
+                  </a:stretch>
+                </p:blipFill>
+                <p:spPr>
+                  <a:xfrm>
+                    <a:off x="8145793" y="4566770"/>
+                    <a:ext cx="29880" cy="125640"/>
+                  </a:xfrm>
+                  <a:prstGeom prst="rect">
+                    <a:avLst/>
+                  </a:prstGeom>
+                </p:spPr>
+              </p:pic>
+            </mc:Fallback>
+          </mc:AlternateContent>
+        </p:grpSp>
+      </p:grpSp>
+      <p:sp>
+        <p:nvSpPr>
+          <p:cNvPr id="27" name="TextBox 2">
+            <a:extLst>
+              <a:ext uri="{FF2B5EF4-FFF2-40B4-BE49-F238E27FC236}">
+                <a16:creationId xmlns:a16="http://schemas.microsoft.com/office/drawing/2014/main" id="{C26C0261-9E06-4206-8767-783944D13786}"/>
+              </a:ext>
+            </a:extLst>
+          </p:cNvPr>
+          <p:cNvSpPr txBox="1"/>
+          <p:nvPr/>
+        </p:nvSpPr>
+        <p:spPr>
+          <a:xfrm>
+            <a:off x="709640" y="3689213"/>
+            <a:ext cx="2985938" cy="400110"/>
+          </a:xfrm>
+          <a:prstGeom prst="rect">
+            <a:avLst/>
+          </a:prstGeom>
+          <a:noFill/>
+        </p:spPr>
+        <p:txBody>
+          <a:bodyPr wrap="square" rtlCol="0">
+            <a:spAutoFit/>
+          </a:bodyPr>
+          <a:lstStyle/>
+          <a:p>
+            <a:r>
+              <a:rPr lang="en-US" altLang="zh-CN" sz="2000" b="1" dirty="0"/>
+              <a:t>2</a:t>
+            </a:r>
+            <a:r>
+              <a:rPr lang="en-US" sz="2000" b="1" dirty="0"/>
+              <a:t>. </a:t>
+            </a:r>
+            <a:r>
+              <a:rPr lang="zh-CN" altLang="en-US" sz="2000" b="1" dirty="0"/>
+              <a:t>毕设：文献翻译</a:t>
+            </a:r>
+            <a:endParaRPr lang="en-CN" sz="2000" b="1" dirty="0"/>
+          </a:p>
+        </p:txBody>
+      </p:sp>
+      <p:sp>
+        <p:nvSpPr>
+          <p:cNvPr id="9" name="TextBox 2">
+            <a:extLst>
+              <a:ext uri="{FF2B5EF4-FFF2-40B4-BE49-F238E27FC236}">
+                <a16:creationId xmlns:a16="http://schemas.microsoft.com/office/drawing/2014/main" id="{7E8832BF-06F0-4C03-9877-7E5BB795AC57}"/>
+              </a:ext>
+            </a:extLst>
+          </p:cNvPr>
+          <p:cNvSpPr txBox="1"/>
+          <p:nvPr/>
+        </p:nvSpPr>
+        <p:spPr>
+          <a:xfrm>
+            <a:off x="6144529" y="982687"/>
+            <a:ext cx="2985938" cy="400110"/>
+          </a:xfrm>
+          <a:prstGeom prst="rect">
+            <a:avLst/>
+          </a:prstGeom>
+          <a:noFill/>
+        </p:spPr>
+        <p:txBody>
+          <a:bodyPr wrap="square" rtlCol="0">
+            <a:spAutoFit/>
+          </a:bodyPr>
+          <a:lstStyle/>
+          <a:p>
+            <a:r>
+              <a:rPr lang="en-US" altLang="zh-CN" sz="2000" b="1" dirty="0"/>
+              <a:t>3</a:t>
+            </a:r>
+            <a:r>
+              <a:rPr lang="en-US" sz="2000" b="1" dirty="0"/>
+              <a:t>. </a:t>
+            </a:r>
+            <a:r>
+              <a:rPr lang="en-US" altLang="zh-CN" sz="2000" b="1" dirty="0"/>
+              <a:t>EDTA</a:t>
+            </a:r>
+            <a:r>
+              <a:rPr lang="zh-CN" altLang="en-US" sz="2000" b="1" dirty="0"/>
+              <a:t>测试</a:t>
+            </a:r>
+            <a:endParaRPr lang="en-CN" sz="2000" b="1" dirty="0"/>
+          </a:p>
+        </p:txBody>
+      </p:sp>
+    </p:spTree>
+    <p:extLst>
+      <p:ext uri="{BB962C8B-B14F-4D97-AF65-F5344CB8AC3E}">
+        <p14:creationId xmlns:p14="http://schemas.microsoft.com/office/powerpoint/2010/main" val="3747129671"/>
+      </p:ext>
+    </p:extLst>
+  </p:cSld>
+  <p:clrMapOvr>
+    <a:masterClrMapping/>
+  </p:clrMapOvr>
+</p:sld>
+</file>
+
 <file path=ppt/theme/theme1.xml><?xml version="1.0" encoding="utf-8"?>
 <a:theme xmlns:a="http://schemas.openxmlformats.org/drawingml/2006/main" name="Office Theme">
   <a:themeElements>
